--- a/PPT/HOME AUTOMATION PPT.pptx
+++ b/PPT/HOME AUTOMATION PPT.pptx
@@ -254,7 +254,7 @@
           <a:p>
             <a:fld id="{3D47A48B-D546-4793-BEE1-F0ACD62E9811}" type="datetimeFigureOut">
               <a:rPr lang="en-GB" smtClean="0"/>
-              <a:t>03/02/2021</a:t>
+              <a:t>06/02/2021</a:t>
             </a:fld>
             <a:endParaRPr lang="en-GB"/>
           </a:p>
@@ -424,7 +424,7 @@
           <a:p>
             <a:fld id="{3D47A48B-D546-4793-BEE1-F0ACD62E9811}" type="datetimeFigureOut">
               <a:rPr lang="en-GB" smtClean="0"/>
-              <a:t>03/02/2021</a:t>
+              <a:t>06/02/2021</a:t>
             </a:fld>
             <a:endParaRPr lang="en-GB"/>
           </a:p>
@@ -604,7 +604,7 @@
           <a:p>
             <a:fld id="{3D47A48B-D546-4793-BEE1-F0ACD62E9811}" type="datetimeFigureOut">
               <a:rPr lang="en-GB" smtClean="0"/>
-              <a:t>03/02/2021</a:t>
+              <a:t>06/02/2021</a:t>
             </a:fld>
             <a:endParaRPr lang="en-GB"/>
           </a:p>
@@ -774,7 +774,7 @@
           <a:p>
             <a:fld id="{3D47A48B-D546-4793-BEE1-F0ACD62E9811}" type="datetimeFigureOut">
               <a:rPr lang="en-GB" smtClean="0"/>
-              <a:t>03/02/2021</a:t>
+              <a:t>06/02/2021</a:t>
             </a:fld>
             <a:endParaRPr lang="en-GB"/>
           </a:p>
@@ -1020,7 +1020,7 @@
           <a:p>
             <a:fld id="{3D47A48B-D546-4793-BEE1-F0ACD62E9811}" type="datetimeFigureOut">
               <a:rPr lang="en-GB" smtClean="0"/>
-              <a:t>03/02/2021</a:t>
+              <a:t>06/02/2021</a:t>
             </a:fld>
             <a:endParaRPr lang="en-GB"/>
           </a:p>
@@ -1252,7 +1252,7 @@
           <a:p>
             <a:fld id="{3D47A48B-D546-4793-BEE1-F0ACD62E9811}" type="datetimeFigureOut">
               <a:rPr lang="en-GB" smtClean="0"/>
-              <a:t>03/02/2021</a:t>
+              <a:t>06/02/2021</a:t>
             </a:fld>
             <a:endParaRPr lang="en-GB"/>
           </a:p>
@@ -1619,7 +1619,7 @@
           <a:p>
             <a:fld id="{3D47A48B-D546-4793-BEE1-F0ACD62E9811}" type="datetimeFigureOut">
               <a:rPr lang="en-GB" smtClean="0"/>
-              <a:t>03/02/2021</a:t>
+              <a:t>06/02/2021</a:t>
             </a:fld>
             <a:endParaRPr lang="en-GB"/>
           </a:p>
@@ -1737,7 +1737,7 @@
           <a:p>
             <a:fld id="{3D47A48B-D546-4793-BEE1-F0ACD62E9811}" type="datetimeFigureOut">
               <a:rPr lang="en-GB" smtClean="0"/>
-              <a:t>03/02/2021</a:t>
+              <a:t>06/02/2021</a:t>
             </a:fld>
             <a:endParaRPr lang="en-GB"/>
           </a:p>
@@ -1832,7 +1832,7 @@
           <a:p>
             <a:fld id="{3D47A48B-D546-4793-BEE1-F0ACD62E9811}" type="datetimeFigureOut">
               <a:rPr lang="en-GB" smtClean="0"/>
-              <a:t>03/02/2021</a:t>
+              <a:t>06/02/2021</a:t>
             </a:fld>
             <a:endParaRPr lang="en-GB"/>
           </a:p>
@@ -2109,7 +2109,7 @@
           <a:p>
             <a:fld id="{3D47A48B-D546-4793-BEE1-F0ACD62E9811}" type="datetimeFigureOut">
               <a:rPr lang="en-GB" smtClean="0"/>
-              <a:t>03/02/2021</a:t>
+              <a:t>06/02/2021</a:t>
             </a:fld>
             <a:endParaRPr lang="en-GB"/>
           </a:p>
@@ -2362,7 +2362,7 @@
           <a:p>
             <a:fld id="{3D47A48B-D546-4793-BEE1-F0ACD62E9811}" type="datetimeFigureOut">
               <a:rPr lang="en-GB" smtClean="0"/>
-              <a:t>03/02/2021</a:t>
+              <a:t>06/02/2021</a:t>
             </a:fld>
             <a:endParaRPr lang="en-GB"/>
           </a:p>
@@ -2575,7 +2575,7 @@
           <a:p>
             <a:fld id="{3D47A48B-D546-4793-BEE1-F0ACD62E9811}" type="datetimeFigureOut">
               <a:rPr lang="en-GB" smtClean="0"/>
-              <a:t>03/02/2021</a:t>
+              <a:t>06/02/2021</a:t>
             </a:fld>
             <a:endParaRPr lang="en-GB"/>
           </a:p>
@@ -6462,99 +6462,102 @@
           <a:chExt cx="0" cy="0"/>
         </a:xfrm>
       </p:grpSpPr>
-      <p:grpSp>
-        <p:nvGrpSpPr>
-          <p:cNvPr id="6" name="Group 5"/>
-          <p:cNvGrpSpPr/>
+      <p:sp>
+        <p:nvSpPr>
+          <p:cNvPr id="4" name="Rectangle 3"/>
+          <p:cNvSpPr/>
           <p:nvPr/>
-        </p:nvGrpSpPr>
-        <p:grpSpPr>
-          <a:xfrm>
-            <a:off x="2468879" y="2241006"/>
-            <a:ext cx="7249887" cy="1952055"/>
-            <a:chOff x="2272936" y="2188755"/>
-            <a:chExt cx="7249887" cy="1952055"/>
-          </a:xfrm>
-        </p:grpSpPr>
-        <p:sp>
-          <p:nvSpPr>
-            <p:cNvPr id="4" name="Rectangle 3"/>
-            <p:cNvSpPr/>
-            <p:nvPr/>
-          </p:nvSpPr>
-          <p:spPr>
-            <a:xfrm>
-              <a:off x="2325188" y="2201818"/>
-              <a:ext cx="7197635" cy="1938992"/>
-            </a:xfrm>
-            <a:prstGeom prst="rect">
-              <a:avLst/>
-            </a:prstGeom>
-          </p:spPr>
-          <p:txBody>
-            <a:bodyPr wrap="square">
-              <a:spAutoFit/>
-            </a:bodyPr>
-            <a:lstStyle/>
-            <a:p>
-              <a:pPr algn="ctr"/>
-              <a:r>
-                <a:rPr lang="en-GB" sz="6000" b="1" dirty="0" smtClean="0">
-                  <a:solidFill>
-                    <a:srgbClr val="92D050"/>
-                  </a:solidFill>
-                  <a:latin typeface="Century Gothic" panose="020B0502020202020204" pitchFamily="34" charset="0"/>
-                </a:rPr>
-                <a:t>OUR PROGRESS TILL 03/02/2021</a:t>
-              </a:r>
-              <a:endParaRPr lang="en-GB" sz="6000" dirty="0">
+        </p:nvSpPr>
+        <p:spPr>
+          <a:xfrm>
+            <a:off x="2521131" y="2254069"/>
+            <a:ext cx="7197635" cy="1938992"/>
+          </a:xfrm>
+          <a:prstGeom prst="rect">
+            <a:avLst/>
+          </a:prstGeom>
+        </p:spPr>
+        <p:txBody>
+          <a:bodyPr wrap="square">
+            <a:spAutoFit/>
+          </a:bodyPr>
+          <a:lstStyle/>
+          <a:p>
+            <a:pPr algn="ctr"/>
+            <a:r>
+              <a:rPr lang="en-GB" sz="6000" b="1" dirty="0" smtClean="0">
                 <a:solidFill>
                   <a:srgbClr val="92D050"/>
                 </a:solidFill>
-              </a:endParaRPr>
-            </a:p>
-          </p:txBody>
-        </p:sp>
-        <p:sp>
-          <p:nvSpPr>
-            <p:cNvPr id="5" name="Rectangle 4"/>
-            <p:cNvSpPr/>
-            <p:nvPr/>
-          </p:nvSpPr>
-          <p:spPr>
-            <a:xfrm>
-              <a:off x="2272936" y="2188755"/>
-              <a:ext cx="7197635" cy="1938992"/>
-            </a:xfrm>
-            <a:prstGeom prst="rect">
-              <a:avLst/>
-            </a:prstGeom>
-          </p:spPr>
-          <p:txBody>
-            <a:bodyPr wrap="square">
-              <a:spAutoFit/>
-            </a:bodyPr>
-            <a:lstStyle/>
-            <a:p>
-              <a:pPr algn="ctr"/>
-              <a:r>
-                <a:rPr lang="en-GB" sz="6000" b="1" dirty="0" smtClean="0">
-                  <a:solidFill>
-                    <a:srgbClr val="002060"/>
-                  </a:solidFill>
-                  <a:latin typeface="Century Gothic" panose="020B0502020202020204" pitchFamily="34" charset="0"/>
-                </a:rPr>
-                <a:t>OUR PROGRESS TILL 03/02/2021</a:t>
-              </a:r>
-              <a:endParaRPr lang="en-GB" sz="6000" dirty="0">
+                <a:latin typeface="Century Gothic" panose="020B0502020202020204" pitchFamily="34" charset="0"/>
+              </a:rPr>
+              <a:t>OUR PROGRESS TILL </a:t>
+            </a:r>
+            <a:r>
+              <a:rPr lang="en-GB" sz="6000" b="1" dirty="0" smtClean="0">
+                <a:solidFill>
+                  <a:srgbClr val="92D050"/>
+                </a:solidFill>
+                <a:latin typeface="Century Gothic" panose="020B0502020202020204" pitchFamily="34" charset="0"/>
+              </a:rPr>
+              <a:t>06/02/2021</a:t>
+            </a:r>
+            <a:endParaRPr lang="en-GB" sz="6000" dirty="0">
+              <a:solidFill>
+                <a:srgbClr val="92D050"/>
+              </a:solidFill>
+            </a:endParaRPr>
+          </a:p>
+        </p:txBody>
+      </p:sp>
+      <p:sp>
+        <p:nvSpPr>
+          <p:cNvPr id="5" name="Rectangle 4"/>
+          <p:cNvSpPr/>
+          <p:nvPr/>
+        </p:nvSpPr>
+        <p:spPr>
+          <a:xfrm>
+            <a:off x="2573383" y="2227943"/>
+            <a:ext cx="7197635" cy="1938992"/>
+          </a:xfrm>
+          <a:prstGeom prst="rect">
+            <a:avLst/>
+          </a:prstGeom>
+        </p:spPr>
+        <p:txBody>
+          <a:bodyPr wrap="square">
+            <a:spAutoFit/>
+          </a:bodyPr>
+          <a:lstStyle/>
+          <a:p>
+            <a:pPr algn="ctr"/>
+            <a:r>
+              <a:rPr lang="en-GB" sz="6000" b="1" dirty="0" smtClean="0">
                 <a:solidFill>
                   <a:srgbClr val="002060"/>
                 </a:solidFill>
-              </a:endParaRPr>
-            </a:p>
-          </p:txBody>
-        </p:sp>
-      </p:grpSp>
+                <a:latin typeface="Century Gothic" panose="020B0502020202020204" pitchFamily="34" charset="0"/>
+              </a:rPr>
+              <a:t>OUR PROGRESS TILL </a:t>
+            </a:r>
+            <a:r>
+              <a:rPr lang="en-GB" sz="6000" b="1" dirty="0" smtClean="0">
+                <a:solidFill>
+                  <a:srgbClr val="002060"/>
+                </a:solidFill>
+                <a:latin typeface="Century Gothic" panose="020B0502020202020204" pitchFamily="34" charset="0"/>
+              </a:rPr>
+              <a:t>06/02/2021</a:t>
+            </a:r>
+            <a:endParaRPr lang="en-GB" sz="6000" dirty="0">
+              <a:solidFill>
+                <a:srgbClr val="002060"/>
+              </a:solidFill>
+            </a:endParaRPr>
+          </a:p>
+        </p:txBody>
+      </p:sp>
     </p:spTree>
     <p:extLst>
       <p:ext uri="{BB962C8B-B14F-4D97-AF65-F5344CB8AC3E}">
@@ -6836,7 +6839,7 @@
         </p:blipFill>
         <p:spPr>
           <a:xfrm>
-            <a:off x="5306729" y="3631474"/>
+            <a:off x="5358981" y="3633984"/>
             <a:ext cx="6261196" cy="2863895"/>
           </a:xfrm>
           <a:prstGeom prst="rect">

--- a/PPT/HOME AUTOMATION PPT.pptx
+++ b/PPT/HOME AUTOMATION PPT.pptx
@@ -16,7 +16,9 @@
     <p:sldId id="263" r:id="rId10"/>
     <p:sldId id="264" r:id="rId11"/>
     <p:sldId id="265" r:id="rId12"/>
-    <p:sldId id="266" r:id="rId13"/>
+    <p:sldId id="268" r:id="rId13"/>
+    <p:sldId id="269" r:id="rId14"/>
+    <p:sldId id="266" r:id="rId15"/>
   </p:sldIdLst>
   <p:sldSz cx="12192000" cy="6858000"/>
   <p:notesSz cx="6858000" cy="9144000"/>
@@ -254,7 +256,7 @@
           <a:p>
             <a:fld id="{3D47A48B-D546-4793-BEE1-F0ACD62E9811}" type="datetimeFigureOut">
               <a:rPr lang="en-GB" smtClean="0"/>
-              <a:t>06/02/2021</a:t>
+              <a:t>20/03/2021</a:t>
             </a:fld>
             <a:endParaRPr lang="en-GB"/>
           </a:p>
@@ -424,7 +426,7 @@
           <a:p>
             <a:fld id="{3D47A48B-D546-4793-BEE1-F0ACD62E9811}" type="datetimeFigureOut">
               <a:rPr lang="en-GB" smtClean="0"/>
-              <a:t>06/02/2021</a:t>
+              <a:t>20/03/2021</a:t>
             </a:fld>
             <a:endParaRPr lang="en-GB"/>
           </a:p>
@@ -604,7 +606,7 @@
           <a:p>
             <a:fld id="{3D47A48B-D546-4793-BEE1-F0ACD62E9811}" type="datetimeFigureOut">
               <a:rPr lang="en-GB" smtClean="0"/>
-              <a:t>06/02/2021</a:t>
+              <a:t>20/03/2021</a:t>
             </a:fld>
             <a:endParaRPr lang="en-GB"/>
           </a:p>
@@ -774,7 +776,7 @@
           <a:p>
             <a:fld id="{3D47A48B-D546-4793-BEE1-F0ACD62E9811}" type="datetimeFigureOut">
               <a:rPr lang="en-GB" smtClean="0"/>
-              <a:t>06/02/2021</a:t>
+              <a:t>20/03/2021</a:t>
             </a:fld>
             <a:endParaRPr lang="en-GB"/>
           </a:p>
@@ -1020,7 +1022,7 @@
           <a:p>
             <a:fld id="{3D47A48B-D546-4793-BEE1-F0ACD62E9811}" type="datetimeFigureOut">
               <a:rPr lang="en-GB" smtClean="0"/>
-              <a:t>06/02/2021</a:t>
+              <a:t>20/03/2021</a:t>
             </a:fld>
             <a:endParaRPr lang="en-GB"/>
           </a:p>
@@ -1252,7 +1254,7 @@
           <a:p>
             <a:fld id="{3D47A48B-D546-4793-BEE1-F0ACD62E9811}" type="datetimeFigureOut">
               <a:rPr lang="en-GB" smtClean="0"/>
-              <a:t>06/02/2021</a:t>
+              <a:t>20/03/2021</a:t>
             </a:fld>
             <a:endParaRPr lang="en-GB"/>
           </a:p>
@@ -1619,7 +1621,7 @@
           <a:p>
             <a:fld id="{3D47A48B-D546-4793-BEE1-F0ACD62E9811}" type="datetimeFigureOut">
               <a:rPr lang="en-GB" smtClean="0"/>
-              <a:t>06/02/2021</a:t>
+              <a:t>20/03/2021</a:t>
             </a:fld>
             <a:endParaRPr lang="en-GB"/>
           </a:p>
@@ -1737,7 +1739,7 @@
           <a:p>
             <a:fld id="{3D47A48B-D546-4793-BEE1-F0ACD62E9811}" type="datetimeFigureOut">
               <a:rPr lang="en-GB" smtClean="0"/>
-              <a:t>06/02/2021</a:t>
+              <a:t>20/03/2021</a:t>
             </a:fld>
             <a:endParaRPr lang="en-GB"/>
           </a:p>
@@ -1832,7 +1834,7 @@
           <a:p>
             <a:fld id="{3D47A48B-D546-4793-BEE1-F0ACD62E9811}" type="datetimeFigureOut">
               <a:rPr lang="en-GB" smtClean="0"/>
-              <a:t>06/02/2021</a:t>
+              <a:t>20/03/2021</a:t>
             </a:fld>
             <a:endParaRPr lang="en-GB"/>
           </a:p>
@@ -2109,7 +2111,7 @@
           <a:p>
             <a:fld id="{3D47A48B-D546-4793-BEE1-F0ACD62E9811}" type="datetimeFigureOut">
               <a:rPr lang="en-GB" smtClean="0"/>
-              <a:t>06/02/2021</a:t>
+              <a:t>20/03/2021</a:t>
             </a:fld>
             <a:endParaRPr lang="en-GB"/>
           </a:p>
@@ -2362,7 +2364,7 @@
           <a:p>
             <a:fld id="{3D47A48B-D546-4793-BEE1-F0ACD62E9811}" type="datetimeFigureOut">
               <a:rPr lang="en-GB" smtClean="0"/>
-              <a:t>06/02/2021</a:t>
+              <a:t>20/03/2021</a:t>
             </a:fld>
             <a:endParaRPr lang="en-GB"/>
           </a:p>
@@ -2575,7 +2577,7 @@
           <a:p>
             <a:fld id="{3D47A48B-D546-4793-BEE1-F0ACD62E9811}" type="datetimeFigureOut">
               <a:rPr lang="en-GB" smtClean="0"/>
-              <a:t>06/02/2021</a:t>
+              <a:t>20/03/2021</a:t>
             </a:fld>
             <a:endParaRPr lang="en-GB"/>
           </a:p>
@@ -3484,8 +3486,8 @@
         </p:nvSpPr>
         <p:spPr>
           <a:xfrm>
-            <a:off x="1417319" y="1509485"/>
-            <a:ext cx="2468880" cy="461665"/>
+            <a:off x="670558" y="1534267"/>
+            <a:ext cx="3990704" cy="461665"/>
           </a:xfrm>
           <a:prstGeom prst="rect">
             <a:avLst/>
@@ -3498,6 +3500,15 @@
           <a:lstStyle/>
           <a:p>
             <a:pPr algn="ctr"/>
+            <a:r>
+              <a:rPr lang="en-GB" sz="2400" b="1" u="sng" smtClean="0">
+                <a:solidFill>
+                  <a:srgbClr val="92D050"/>
+                </a:solidFill>
+                <a:latin typeface="Century Gothic" panose="020B0502020202020204" pitchFamily="34" charset="0"/>
+              </a:rPr>
+              <a:t>CLOUD </a:t>
+            </a:r>
             <a:r>
               <a:rPr lang="en-GB" sz="2400" b="1" u="sng" dirty="0" smtClean="0">
                 <a:solidFill>
@@ -3505,7 +3516,7 @@
                 </a:solidFill>
                 <a:latin typeface="Century Gothic" panose="020B0502020202020204" pitchFamily="34" charset="0"/>
               </a:rPr>
-              <a:t>WITH INTERNET </a:t>
+              <a:t>CONNECTIVITY</a:t>
             </a:r>
             <a:endParaRPr lang="en-GB" sz="2400" u="sng" dirty="0">
               <a:solidFill>
@@ -3523,8 +3534,8 @@
         </p:nvSpPr>
         <p:spPr>
           <a:xfrm>
-            <a:off x="7868194" y="1509484"/>
-            <a:ext cx="2891244" cy="461665"/>
+            <a:off x="7184482" y="1506800"/>
+            <a:ext cx="4009370" cy="461665"/>
           </a:xfrm>
           <a:prstGeom prst="rect">
             <a:avLst/>
@@ -3544,7 +3555,7 @@
                 </a:solidFill>
                 <a:latin typeface="Century Gothic" panose="020B0502020202020204" pitchFamily="34" charset="0"/>
               </a:rPr>
-              <a:t>WITHOUT INTERNET</a:t>
+              <a:t>FOR CONTROLLING FAN</a:t>
             </a:r>
             <a:endParaRPr lang="en-GB" sz="2400" u="sng" dirty="0">
               <a:solidFill>
@@ -3911,6 +3922,330 @@
 </file>
 
 <file path=ppt/slides/slide12.xml><?xml version="1.0" encoding="utf-8"?>
+<p:sld xmlns:a="http://schemas.openxmlformats.org/drawingml/2006/main" xmlns:r="http://schemas.openxmlformats.org/officeDocument/2006/relationships" xmlns:p="http://schemas.openxmlformats.org/presentationml/2006/main">
+  <p:cSld>
+    <p:spTree>
+      <p:nvGrpSpPr>
+        <p:cNvPr id="1" name=""/>
+        <p:cNvGrpSpPr/>
+        <p:nvPr/>
+      </p:nvGrpSpPr>
+      <p:grpSpPr>
+        <a:xfrm>
+          <a:off x="0" y="0"/>
+          <a:ext cx="0" cy="0"/>
+          <a:chOff x="0" y="0"/>
+          <a:chExt cx="0" cy="0"/>
+        </a:xfrm>
+      </p:grpSpPr>
+      <p:pic>
+        <p:nvPicPr>
+          <p:cNvPr id="4" name="Picture 3"/>
+          <p:cNvPicPr>
+            <a:picLocks noChangeAspect="1"/>
+          </p:cNvPicPr>
+          <p:nvPr/>
+        </p:nvPicPr>
+        <p:blipFill rotWithShape="1">
+          <a:blip r:embed="rId2">
+            <a:extLst>
+              <a:ext uri="{BEBA8EAE-BF5A-486C-A8C5-ECC9F3942E4B}">
+                <a14:imgProps xmlns:a14="http://schemas.microsoft.com/office/drawing/2010/main">
+                  <a14:imgLayer r:embed="rId3">
+                    <a14:imgEffect>
+                      <a14:backgroundRemoval t="10000" b="90000" l="10000" r="90000"/>
+                    </a14:imgEffect>
+                  </a14:imgLayer>
+                </a14:imgProps>
+              </a:ext>
+              <a:ext uri="{28A0092B-C50C-407E-A947-70E740481C1C}">
+                <a14:useLocalDpi xmlns:a14="http://schemas.microsoft.com/office/drawing/2010/main" val="0"/>
+              </a:ext>
+            </a:extLst>
+          </a:blip>
+          <a:srcRect l="24010" t="17473" r="23776" b="25340"/>
+          <a:stretch/>
+        </p:blipFill>
+        <p:spPr>
+          <a:xfrm>
+            <a:off x="571501" y="1551619"/>
+            <a:ext cx="4983479" cy="4093573"/>
+          </a:xfrm>
+          <a:prstGeom prst="rect">
+            <a:avLst/>
+          </a:prstGeom>
+        </p:spPr>
+      </p:pic>
+      <p:pic>
+        <p:nvPicPr>
+          <p:cNvPr id="5" name="Picture 4"/>
+          <p:cNvPicPr>
+            <a:picLocks noChangeAspect="1"/>
+          </p:cNvPicPr>
+          <p:nvPr/>
+        </p:nvPicPr>
+        <p:blipFill rotWithShape="1">
+          <a:blip r:embed="rId4">
+            <a:extLst>
+              <a:ext uri="{BEBA8EAE-BF5A-486C-A8C5-ECC9F3942E4B}">
+                <a14:imgProps xmlns:a14="http://schemas.microsoft.com/office/drawing/2010/main">
+                  <a14:imgLayer r:embed="rId5">
+                    <a14:imgEffect>
+                      <a14:backgroundRemoval t="10000" b="90000" l="4667" r="90000"/>
+                    </a14:imgEffect>
+                  </a14:imgLayer>
+                </a14:imgProps>
+              </a:ext>
+              <a:ext uri="{28A0092B-C50C-407E-A947-70E740481C1C}">
+                <a14:useLocalDpi xmlns:a14="http://schemas.microsoft.com/office/drawing/2010/main" val="0"/>
+              </a:ext>
+            </a:extLst>
+          </a:blip>
+          <a:srcRect t="30980" r="13567" b="23006"/>
+          <a:stretch/>
+        </p:blipFill>
+        <p:spPr>
+          <a:xfrm>
+            <a:off x="6327516" y="2081684"/>
+            <a:ext cx="5698079" cy="3033442"/>
+          </a:xfrm>
+          <a:prstGeom prst="rect">
+            <a:avLst/>
+          </a:prstGeom>
+        </p:spPr>
+      </p:pic>
+      <p:sp>
+        <p:nvSpPr>
+          <p:cNvPr id="6" name="TextBox 5"/>
+          <p:cNvSpPr txBox="1"/>
+          <p:nvPr/>
+        </p:nvSpPr>
+        <p:spPr>
+          <a:xfrm>
+            <a:off x="2070465" y="923898"/>
+            <a:ext cx="1985553" cy="523220"/>
+          </a:xfrm>
+          <a:prstGeom prst="rect">
+            <a:avLst/>
+          </a:prstGeom>
+          <a:noFill/>
+        </p:spPr>
+        <p:txBody>
+          <a:bodyPr wrap="square" rtlCol="0">
+            <a:spAutoFit/>
+          </a:bodyPr>
+          <a:lstStyle/>
+          <a:p>
+            <a:r>
+              <a:rPr lang="en-GB" sz="2800" b="1" dirty="0" smtClean="0">
+                <a:effectLst>
+                  <a:outerShdw blurRad="38100" dist="38100" dir="2700000" algn="tl">
+                    <a:srgbClr val="000000">
+                      <a:alpha val="43137"/>
+                    </a:srgbClr>
+                  </a:outerShdw>
+                </a:effectLst>
+              </a:rPr>
+              <a:t>ESP 32 CAM</a:t>
+            </a:r>
+            <a:endParaRPr lang="en-GB" sz="2800" b="1" dirty="0">
+              <a:effectLst>
+                <a:outerShdw blurRad="38100" dist="38100" dir="2700000" algn="tl">
+                  <a:srgbClr val="000000">
+                    <a:alpha val="43137"/>
+                  </a:srgbClr>
+                </a:outerShdw>
+              </a:effectLst>
+            </a:endParaRPr>
+          </a:p>
+        </p:txBody>
+      </p:sp>
+      <p:sp>
+        <p:nvSpPr>
+          <p:cNvPr id="7" name="TextBox 6"/>
+          <p:cNvSpPr txBox="1"/>
+          <p:nvPr/>
+        </p:nvSpPr>
+        <p:spPr>
+          <a:xfrm>
+            <a:off x="7837512" y="923898"/>
+            <a:ext cx="2678088" cy="523220"/>
+          </a:xfrm>
+          <a:prstGeom prst="rect">
+            <a:avLst/>
+          </a:prstGeom>
+          <a:noFill/>
+        </p:spPr>
+        <p:txBody>
+          <a:bodyPr wrap="square" rtlCol="0">
+            <a:spAutoFit/>
+          </a:bodyPr>
+          <a:lstStyle/>
+          <a:p>
+            <a:r>
+              <a:rPr lang="en-GB" sz="2800" b="1" dirty="0" smtClean="0">
+                <a:effectLst>
+                  <a:outerShdw blurRad="38100" dist="38100" dir="2700000" algn="tl">
+                    <a:srgbClr val="000000">
+                      <a:alpha val="43137"/>
+                    </a:srgbClr>
+                  </a:outerShdw>
+                </a:effectLst>
+              </a:rPr>
+              <a:t>TTL CONNECTOR</a:t>
+            </a:r>
+            <a:endParaRPr lang="en-GB" sz="2800" b="1" dirty="0">
+              <a:effectLst>
+                <a:outerShdw blurRad="38100" dist="38100" dir="2700000" algn="tl">
+                  <a:srgbClr val="000000">
+                    <a:alpha val="43137"/>
+                  </a:srgbClr>
+                </a:outerShdw>
+              </a:effectLst>
+            </a:endParaRPr>
+          </a:p>
+        </p:txBody>
+      </p:sp>
+    </p:spTree>
+    <p:extLst>
+      <p:ext uri="{BB962C8B-B14F-4D97-AF65-F5344CB8AC3E}">
+        <p14:creationId xmlns:p14="http://schemas.microsoft.com/office/powerpoint/2010/main" val="3971241490"/>
+      </p:ext>
+    </p:extLst>
+  </p:cSld>
+  <p:clrMapOvr>
+    <a:masterClrMapping/>
+  </p:clrMapOvr>
+</p:sld>
+</file>
+
+<file path=ppt/slides/slide13.xml><?xml version="1.0" encoding="utf-8"?>
+<p:sld xmlns:a="http://schemas.openxmlformats.org/drawingml/2006/main" xmlns:r="http://schemas.openxmlformats.org/officeDocument/2006/relationships" xmlns:p="http://schemas.openxmlformats.org/presentationml/2006/main">
+  <p:cSld>
+    <p:spTree>
+      <p:nvGrpSpPr>
+        <p:cNvPr id="1" name=""/>
+        <p:cNvGrpSpPr/>
+        <p:nvPr/>
+      </p:nvGrpSpPr>
+      <p:grpSpPr>
+        <a:xfrm>
+          <a:off x="0" y="0"/>
+          <a:ext cx="0" cy="0"/>
+          <a:chOff x="0" y="0"/>
+          <a:chExt cx="0" cy="0"/>
+        </a:xfrm>
+      </p:grpSpPr>
+      <p:pic>
+        <p:nvPicPr>
+          <p:cNvPr id="4" name="Picture 3"/>
+          <p:cNvPicPr>
+            <a:picLocks noChangeAspect="1"/>
+          </p:cNvPicPr>
+          <p:nvPr/>
+        </p:nvPicPr>
+        <p:blipFill>
+          <a:blip r:embed="rId2"/>
+          <a:stretch>
+            <a:fillRect/>
+          </a:stretch>
+        </p:blipFill>
+        <p:spPr>
+          <a:xfrm>
+            <a:off x="166704" y="173401"/>
+            <a:ext cx="3112073" cy="2360279"/>
+          </a:xfrm>
+          <a:prstGeom prst="rect">
+            <a:avLst/>
+          </a:prstGeom>
+        </p:spPr>
+      </p:pic>
+      <p:pic>
+        <p:nvPicPr>
+          <p:cNvPr id="5" name="Picture 4"/>
+          <p:cNvPicPr>
+            <a:picLocks noChangeAspect="1"/>
+          </p:cNvPicPr>
+          <p:nvPr/>
+        </p:nvPicPr>
+        <p:blipFill>
+          <a:blip r:embed="rId3"/>
+          <a:stretch>
+            <a:fillRect/>
+          </a:stretch>
+        </p:blipFill>
+        <p:spPr>
+          <a:xfrm>
+            <a:off x="4582497" y="3661185"/>
+            <a:ext cx="3229092" cy="2413043"/>
+          </a:xfrm>
+          <a:prstGeom prst="rect">
+            <a:avLst/>
+          </a:prstGeom>
+        </p:spPr>
+      </p:pic>
+      <p:pic>
+        <p:nvPicPr>
+          <p:cNvPr id="6" name="Picture 5"/>
+          <p:cNvPicPr>
+            <a:picLocks noChangeAspect="1"/>
+          </p:cNvPicPr>
+          <p:nvPr/>
+        </p:nvPicPr>
+        <p:blipFill>
+          <a:blip r:embed="rId4"/>
+          <a:stretch>
+            <a:fillRect/>
+          </a:stretch>
+        </p:blipFill>
+        <p:spPr>
+          <a:xfrm>
+            <a:off x="4582497" y="173401"/>
+            <a:ext cx="3229092" cy="2360279"/>
+          </a:xfrm>
+          <a:prstGeom prst="rect">
+            <a:avLst/>
+          </a:prstGeom>
+        </p:spPr>
+      </p:pic>
+      <p:pic>
+        <p:nvPicPr>
+          <p:cNvPr id="7" name="Picture 6"/>
+          <p:cNvPicPr>
+            <a:picLocks noChangeAspect="1"/>
+          </p:cNvPicPr>
+          <p:nvPr/>
+        </p:nvPicPr>
+        <p:blipFill>
+          <a:blip r:embed="rId5"/>
+          <a:stretch>
+            <a:fillRect/>
+          </a:stretch>
+        </p:blipFill>
+        <p:spPr>
+          <a:xfrm>
+            <a:off x="8867115" y="173401"/>
+            <a:ext cx="3086518" cy="2360279"/>
+          </a:xfrm>
+          <a:prstGeom prst="rect">
+            <a:avLst/>
+          </a:prstGeom>
+        </p:spPr>
+      </p:pic>
+    </p:spTree>
+    <p:extLst>
+      <p:ext uri="{BB962C8B-B14F-4D97-AF65-F5344CB8AC3E}">
+        <p14:creationId xmlns:p14="http://schemas.microsoft.com/office/powerpoint/2010/main" val="2333048872"/>
+      </p:ext>
+    </p:extLst>
+  </p:cSld>
+  <p:clrMapOvr>
+    <a:masterClrMapping/>
+  </p:clrMapOvr>
+</p:sld>
+</file>
+
+<file path=ppt/slides/slide14.xml><?xml version="1.0" encoding="utf-8"?>
 <p:sld xmlns:a="http://schemas.openxmlformats.org/drawingml/2006/main" xmlns:r="http://schemas.openxmlformats.org/officeDocument/2006/relationships" xmlns:p="http://schemas.openxmlformats.org/presentationml/2006/main">
   <p:cSld>
     <p:spTree>
@@ -6491,16 +6826,7 @@
                 </a:solidFill>
                 <a:latin typeface="Century Gothic" panose="020B0502020202020204" pitchFamily="34" charset="0"/>
               </a:rPr>
-              <a:t>OUR PROGRESS TILL </a:t>
-            </a:r>
-            <a:r>
-              <a:rPr lang="en-GB" sz="6000" b="1" dirty="0" smtClean="0">
-                <a:solidFill>
-                  <a:srgbClr val="92D050"/>
-                </a:solidFill>
-                <a:latin typeface="Century Gothic" panose="020B0502020202020204" pitchFamily="34" charset="0"/>
-              </a:rPr>
-              <a:t>06/02/2021</a:t>
+              <a:t>OUR PROGRESS TILL 24/02/2021</a:t>
             </a:r>
             <a:endParaRPr lang="en-GB" sz="6000" dirty="0">
               <a:solidFill>
@@ -6512,13 +6838,13 @@
       </p:sp>
       <p:sp>
         <p:nvSpPr>
-          <p:cNvPr id="5" name="Rectangle 4"/>
+          <p:cNvPr id="6" name="Rectangle 5"/>
           <p:cNvSpPr/>
           <p:nvPr/>
         </p:nvSpPr>
         <p:spPr>
           <a:xfrm>
-            <a:off x="2573383" y="2227943"/>
+            <a:off x="2481941" y="2214880"/>
             <a:ext cx="7197635" cy="1938992"/>
           </a:xfrm>
           <a:prstGeom prst="rect">
@@ -6535,24 +6861,19 @@
             <a:r>
               <a:rPr lang="en-GB" sz="6000" b="1" dirty="0" smtClean="0">
                 <a:solidFill>
-                  <a:srgbClr val="002060"/>
+                  <a:schemeClr val="accent5">
+                    <a:lumMod val="75000"/>
+                  </a:schemeClr>
                 </a:solidFill>
                 <a:latin typeface="Century Gothic" panose="020B0502020202020204" pitchFamily="34" charset="0"/>
               </a:rPr>
-              <a:t>OUR PROGRESS TILL </a:t>
-            </a:r>
-            <a:r>
-              <a:rPr lang="en-GB" sz="6000" b="1" dirty="0" smtClean="0">
-                <a:solidFill>
-                  <a:srgbClr val="002060"/>
-                </a:solidFill>
-                <a:latin typeface="Century Gothic" panose="020B0502020202020204" pitchFamily="34" charset="0"/>
-              </a:rPr>
-              <a:t>06/02/2021</a:t>
+              <a:t>OUR PROGRESS TILL 24/02/2021</a:t>
             </a:r>
             <a:endParaRPr lang="en-GB" sz="6000" dirty="0">
               <a:solidFill>
-                <a:srgbClr val="002060"/>
+                <a:schemeClr val="accent5">
+                  <a:lumMod val="75000"/>
+                </a:schemeClr>
               </a:solidFill>
             </a:endParaRPr>
           </a:p>
